--- a/Data Analysis for Talent Attrition.pptx
+++ b/Data Analysis for Talent Attrition.pptx
@@ -5218,13 +5218,13 @@
             <a:spLocks noGrp="1"/>
           </p:cNvSpPr>
           <p:nvPr>
-            <p:ph type="title"/>
+            <p:ph type="title" idx="4294967295"/>
           </p:nvPr>
         </p:nvSpPr>
         <p:spPr>
           <a:xfrm>
-            <a:off x="2231136" y="3077738"/>
-            <a:ext cx="7729728" cy="3435606"/>
+            <a:off x="2231136" y="3520956"/>
+            <a:ext cx="7729728" cy="2387475"/>
           </a:xfrm>
           <a:solidFill>
             <a:schemeClr val="bg1"/>
@@ -5240,13 +5240,13 @@
         </p:spPr>
         <p:txBody>
           <a:bodyPr vert="horz" lIns="91440" tIns="45720" rIns="91440" bIns="45720" rtlCol="0" anchor="ctr">
-            <a:normAutofit fontScale="90000"/>
+            <a:normAutofit/>
           </a:bodyPr>
           <a:lstStyle/>
           <a:p>
             <a:pPr algn="ctr"/>
             <a:br>
-              <a:rPr lang="en-US" kern="1200" dirty="0">
+              <a:rPr lang="en-US" sz="1000" kern="1200">
                 <a:solidFill>
                   <a:schemeClr val="tx1"/>
                 </a:solidFill>
@@ -5256,7 +5256,7 @@
               </a:rPr>
             </a:br>
             <a:r>
-              <a:rPr lang="en-US" kern="1200" dirty="0">
+              <a:rPr lang="en-US" sz="1000" kern="1200">
                 <a:solidFill>
                   <a:schemeClr val="tx1"/>
                 </a:solidFill>
@@ -5264,16 +5264,50 @@
                 <a:ea typeface="+mj-ea"/>
                 <a:cs typeface="+mj-cs"/>
               </a:rPr>
-              <a:t>Due to the small value in the AIC which is Akaike Information Criterion along with the Adjusted R-square 0.2378 and p-value of 2.2e-16. We feel this i</a:t>
-            </a:r>
-            <a:r>
-              <a:rPr lang="en-US" dirty="0"/>
-              <a:t>s a good fit which requires additional analysis. We concentrated that addition analysis to be performed in Tableau which can predict what are the causes of job attrition.</a:t>
+              <a:t>Due to the small value in the AIC which is Akaike Information Criterion along with the Adjusted R-square 0.2378 and p-value of 2.2e-16.We concentrated that addition analysis to be performed in Tableau which can predict what are the causes of job attrition.</a:t>
             </a:r>
             <a:br>
-              <a:rPr lang="en-US" dirty="0"/>
+              <a:rPr lang="en-US" sz="1000" kern="1200">
+                <a:solidFill>
+                  <a:schemeClr val="tx1"/>
+                </a:solidFill>
+                <a:latin typeface="+mj-lt"/>
+                <a:ea typeface="+mj-ea"/>
+                <a:cs typeface="+mj-cs"/>
+              </a:rPr>
             </a:br>
-            <a:endParaRPr lang="en-US" kern="1200" dirty="0">
+            <a:r>
+              <a:rPr lang="en-US" sz="1000" kern="1200">
+                <a:solidFill>
+                  <a:schemeClr val="tx1"/>
+                </a:solidFill>
+                <a:latin typeface="+mj-lt"/>
+                <a:ea typeface="+mj-ea"/>
+                <a:cs typeface="+mj-cs"/>
+              </a:rPr>
+              <a:t>https://public.tableau.com/profile/jayson.barker#!/vizhome/DS6306_CS2/Dashboard1</a:t>
+            </a:r>
+            <a:br>
+              <a:rPr lang="en-US" sz="1000" kern="1200">
+                <a:solidFill>
+                  <a:schemeClr val="tx1"/>
+                </a:solidFill>
+                <a:latin typeface="+mj-lt"/>
+                <a:ea typeface="+mj-ea"/>
+                <a:cs typeface="+mj-cs"/>
+              </a:rPr>
+            </a:br>
+            <a:br>
+              <a:rPr lang="en-US" sz="1000" kern="1200">
+                <a:solidFill>
+                  <a:schemeClr val="tx1"/>
+                </a:solidFill>
+                <a:latin typeface="+mj-lt"/>
+                <a:ea typeface="+mj-ea"/>
+                <a:cs typeface="+mj-cs"/>
+              </a:rPr>
+            </a:br>
+            <a:endParaRPr lang="en-US" sz="1000" kern="1200">
               <a:solidFill>
                 <a:schemeClr val="tx1"/>
               </a:solidFill>
@@ -5297,7 +5331,7 @@
             <a:picLocks noGrp="1" noChangeAspect="1"/>
           </p:cNvPicPr>
           <p:nvPr>
-            <p:ph idx="1"/>
+            <p:ph idx="4294967295"/>
           </p:nvPr>
         </p:nvPicPr>
         <p:blipFill>
@@ -5308,8 +5342,8 @@
         </p:blipFill>
         <p:spPr>
           <a:xfrm>
-            <a:off x="2231136" y="1483112"/>
-            <a:ext cx="7729728" cy="1853933"/>
+            <a:off x="2231136" y="1694319"/>
+            <a:ext cx="7729728" cy="1642726"/>
           </a:xfrm>
           <a:prstGeom prst="rect">
             <a:avLst/>
